--- a/PPT_Presentation_v3.pptx
+++ b/PPT_Presentation_v3.pptx
@@ -4084,10 +4084,6 @@
               <a:rPr lang="en-US" dirty="0" smtClean="0"/>
               <a:t>Approach and Assumptions</a:t>
             </a:r>
-            <a:r>
-              <a:rPr lang="en-US" dirty="0" smtClean="0"/>
-              <a:t/>
-            </a:r>
             <a:br>
               <a:rPr lang="en-US" dirty="0" smtClean="0"/>
             </a:br>
@@ -4234,12 +4230,6 @@
                 </a:rPr>
                 <a:t>Assumptions:</a:t>
               </a:r>
-              <a:endParaRPr lang="en-US" sz="1600" dirty="0" smtClean="0">
-                <a:solidFill>
-                  <a:srgbClr val="323C47"/>
-                </a:solidFill>
-                <a:latin typeface="Arial" charset="0"/>
-              </a:endParaRPr>
             </a:p>
           </p:txBody>
         </p:sp>
@@ -4371,12 +4361,6 @@
               </a:rPr>
               <a:t>Understand rationale, sensitivity and implications of observed data</a:t>
             </a:r>
-            <a:endParaRPr lang="en-US" sz="1600" dirty="0" smtClean="0">
-              <a:solidFill>
-                <a:srgbClr val="323C47"/>
-              </a:solidFill>
-              <a:latin typeface="Arial" charset="0"/>
-            </a:endParaRPr>
           </a:p>
         </p:txBody>
       </p:sp>
@@ -6645,7 +6629,31 @@
                 </a:solidFill>
                 <a:sym typeface="Wingdings"/>
               </a:rPr>
-              <a:t> maybe we should use backward-looking (?)</a:t>
+              <a:t> maybe we should use backward-looking </a:t>
+            </a:r>
+            <a:r>
+              <a:rPr lang="en-US" dirty="0" smtClean="0">
+                <a:solidFill>
+                  <a:srgbClr val="FFFFFF"/>
+                </a:solidFill>
+                <a:sym typeface="Wingdings"/>
+              </a:rPr>
+              <a:t>(?)</a:t>
+            </a:r>
+          </a:p>
+          <a:p>
+            <a:pPr marL="285750" indent="-285750" algn="ctr">
+              <a:buFontTx/>
+              <a:buChar char="-"/>
+            </a:pPr>
+            <a:r>
+              <a:rPr lang="en-US" smtClean="0">
+                <a:solidFill>
+                  <a:srgbClr val="FFFFFF"/>
+                </a:solidFill>
+                <a:sym typeface="Wingdings"/>
+              </a:rPr>
+              <a:t>Think about ways to incorporate income level</a:t>
             </a:r>
             <a:endParaRPr lang="en-US" dirty="0">
               <a:solidFill>

--- a/PPT_Presentation_v3.pptx
+++ b/PPT_Presentation_v3.pptx
@@ -6426,7 +6426,7 @@
         </p:nvSpPr>
         <p:spPr>
           <a:xfrm>
-            <a:off x="2706401" y="3032840"/>
+            <a:off x="2428274" y="4055205"/>
             <a:ext cx="4683210" cy="2483708"/>
           </a:xfrm>
           <a:prstGeom prst="rect">
@@ -6496,7 +6496,7 @@
         </p:nvSpPr>
         <p:spPr>
           <a:xfrm>
-            <a:off x="1632462" y="323240"/>
+            <a:off x="1836958" y="1222214"/>
             <a:ext cx="5509744" cy="2766712"/>
           </a:xfrm>
           <a:prstGeom prst="rect">
@@ -6629,16 +6629,7 @@
                 </a:solidFill>
                 <a:sym typeface="Wingdings"/>
               </a:rPr>
-              <a:t> maybe we should use backward-looking </a:t>
-            </a:r>
-            <a:r>
-              <a:rPr lang="en-US" dirty="0" smtClean="0">
-                <a:solidFill>
-                  <a:srgbClr val="FFFFFF"/>
-                </a:solidFill>
-                <a:sym typeface="Wingdings"/>
-              </a:rPr>
-              <a:t>(?)</a:t>
+              <a:t> maybe we should use backward-looking (?)</a:t>
             </a:r>
           </a:p>
           <a:p>
@@ -6647,7 +6638,7 @@
               <a:buChar char="-"/>
             </a:pPr>
             <a:r>
-              <a:rPr lang="en-US" smtClean="0">
+              <a:rPr lang="en-US" dirty="0" smtClean="0">
                 <a:solidFill>
                   <a:srgbClr val="FFFFFF"/>
                 </a:solidFill>
@@ -14789,8 +14780,8 @@
           </p:style>
         </p:cxnSp>
       </p:grpSp>
-      <mc:AlternateContent xmlns:mc="http://schemas.openxmlformats.org/markup-compatibility/2006" xmlns:a14="http://schemas.microsoft.com/office/drawing/2010/main">
-        <mc:Choice Requires="a14">
+      <mc:AlternateContent xmlns:mc="http://schemas.openxmlformats.org/markup-compatibility/2006">
+        <mc:Choice xmlns:a14="http://schemas.microsoft.com/office/drawing/2010/main" Requires="a14">
           <p:sp>
             <p:nvSpPr>
               <p:cNvPr id="10" name="TextBox 9"/>
@@ -14800,7 +14791,7 @@
             <p:spPr>
               <a:xfrm>
                 <a:off x="342900" y="2392524"/>
-                <a:ext cx="8458200" cy="667490"/>
+                <a:ext cx="8458200" cy="618952"/>
               </a:xfrm>
               <a:prstGeom prst="rect">
                 <a:avLst/>
@@ -14974,7 +14965,43 @@
                               <a:solidFill>
                                 <a:srgbClr val="323C47"/>
                               </a:solidFill>
-                              <a:latin typeface="Cambria Math" panose="02040503050406030204" pitchFamily="18" charset="0"/>
+                              <a:latin typeface="Cambria Math" charset="0"/>
+                            </a:rPr>
+                            <m:t>𝑡𝑜𝑡𝑎𝑙</m:t>
+                          </m:r>
+                          <m:r>
+                            <a:rPr lang="de-DE" b="0" i="1" smtClean="0">
+                              <a:solidFill>
+                                <a:srgbClr val="323C47"/>
+                              </a:solidFill>
+                              <a:latin typeface="Cambria Math" charset="0"/>
+                            </a:rPr>
+                            <m:t> </m:t>
+                          </m:r>
+                          <m:r>
+                            <a:rPr lang="de-DE" b="0" i="1" smtClean="0">
+                              <a:solidFill>
+                                <a:srgbClr val="323C47"/>
+                              </a:solidFill>
+                              <a:latin typeface="Cambria Math" charset="0"/>
+                            </a:rPr>
+                            <m:t>𝑏𝑎𝑑</m:t>
+                          </m:r>
+                          <m:r>
+                            <a:rPr lang="de-DE" b="0" i="1" smtClean="0">
+                              <a:solidFill>
+                                <a:srgbClr val="323C47"/>
+                              </a:solidFill>
+                              <a:latin typeface="Cambria Math" charset="0"/>
+                            </a:rPr>
+                            <m:t> </m:t>
+                          </m:r>
+                          <m:r>
+                            <a:rPr lang="de-DE" b="0" i="1" smtClean="0">
+                              <a:solidFill>
+                                <a:srgbClr val="323C47"/>
+                              </a:solidFill>
+                              <a:latin typeface="Cambria Math" charset="0"/>
                             </a:rPr>
                             <m:t>𝑟𝑒𝑡𝑢𝑟𝑛𝑠</m:t>
                           </m:r>
@@ -14983,54 +15010,9 @@
                               <a:solidFill>
                                 <a:srgbClr val="323C47"/>
                               </a:solidFill>
-                              <a:latin typeface="Cambria Math" panose="02040503050406030204" pitchFamily="18" charset="0"/>
+                              <a:latin typeface="Cambria Math" charset="0"/>
                             </a:rPr>
                             <m:t> </m:t>
-                          </m:r>
-                          <m:r>
-                            <a:rPr lang="de-DE" b="0" i="1" smtClean="0">
-                              <a:solidFill>
-                                <a:srgbClr val="323C47"/>
-                              </a:solidFill>
-                              <a:latin typeface="Cambria Math" panose="02040503050406030204" pitchFamily="18" charset="0"/>
-                            </a:rPr>
-                            <m:t>𝑜𝑓</m:t>
-                          </m:r>
-                          <m:r>
-                            <a:rPr lang="de-DE" b="0" i="1" smtClean="0">
-                              <a:solidFill>
-                                <a:srgbClr val="323C47"/>
-                              </a:solidFill>
-                              <a:latin typeface="Cambria Math" panose="02040503050406030204" pitchFamily="18" charset="0"/>
-                            </a:rPr>
-                            <m:t> </m:t>
-                          </m:r>
-                          <m:r>
-                            <a:rPr lang="de-DE" b="0" i="1" smtClean="0">
-                              <a:solidFill>
-                                <a:srgbClr val="323C47"/>
-                              </a:solidFill>
-                              <a:latin typeface="Cambria Math" panose="02040503050406030204" pitchFamily="18" charset="0"/>
-                            </a:rPr>
-                            <m:t>𝑓𝑖𝑟𝑠𝑡</m:t>
-                          </m:r>
-                          <m:r>
-                            <a:rPr lang="de-DE" b="0" i="1" smtClean="0">
-                              <a:solidFill>
-                                <a:srgbClr val="323C47"/>
-                              </a:solidFill>
-                              <a:latin typeface="Cambria Math" panose="02040503050406030204" pitchFamily="18" charset="0"/>
-                            </a:rPr>
-                            <m:t> 10 </m:t>
-                          </m:r>
-                          <m:r>
-                            <a:rPr lang="de-DE" b="0" i="1" smtClean="0">
-                              <a:solidFill>
-                                <a:srgbClr val="323C47"/>
-                              </a:solidFill>
-                              <a:latin typeface="Cambria Math" panose="02040503050406030204" pitchFamily="18" charset="0"/>
-                            </a:rPr>
-                            <m:t>𝑦𝑒𝑎𝑟𝑠</m:t>
                           </m:r>
                         </m:den>
                       </m:f>
@@ -15047,7 +15029,7 @@
             </p:txBody>
           </p:sp>
         </mc:Choice>
-        <mc:Fallback xmlns="">
+        <mc:Fallback>
           <p:sp>
             <p:nvSpPr>
               <p:cNvPr id="10" name="TextBox 9"/>
@@ -15059,7 +15041,7 @@
             <p:spPr>
               <a:xfrm>
                 <a:off x="342900" y="2392524"/>
-                <a:ext cx="8458200" cy="667490"/>
+                <a:ext cx="8458200" cy="618952"/>
               </a:xfrm>
               <a:prstGeom prst="rect">
                 <a:avLst/>
@@ -15275,6 +15257,65 @@
                 <a:srgbClr val="1B202F"/>
               </a:solidFill>
               <a:latin typeface="Arial" charset="0"/>
+            </a:endParaRPr>
+          </a:p>
+        </p:txBody>
+      </p:sp>
+      <p:sp>
+        <p:nvSpPr>
+          <p:cNvPr id="11" name="Rectangle 10"/>
+          <p:cNvSpPr/>
+          <p:nvPr/>
+        </p:nvSpPr>
+        <p:spPr>
+          <a:xfrm>
+            <a:off x="2942348" y="2120301"/>
+            <a:ext cx="3259303" cy="995800"/>
+          </a:xfrm>
+          <a:prstGeom prst="rect">
+            <a:avLst/>
+          </a:prstGeom>
+        </p:spPr>
+        <p:style>
+          <a:lnRef idx="1">
+            <a:schemeClr val="accent1"/>
+          </a:lnRef>
+          <a:fillRef idx="3">
+            <a:schemeClr val="accent1"/>
+          </a:fillRef>
+          <a:effectRef idx="2">
+            <a:schemeClr val="accent1"/>
+          </a:effectRef>
+          <a:fontRef idx="minor">
+            <a:schemeClr val="lt1"/>
+          </a:fontRef>
+        </p:style>
+        <p:txBody>
+          <a:bodyPr rtlCol="0" anchor="ctr"/>
+          <a:lstStyle/>
+          <a:p>
+            <a:pPr algn="ctr"/>
+            <a:r>
+              <a:rPr lang="en-US" smtClean="0">
+                <a:solidFill>
+                  <a:srgbClr val="FFFFFF"/>
+                </a:solidFill>
+              </a:rPr>
+              <a:t>Bad return </a:t>
+            </a:r>
+            <a:r>
+              <a:rPr lang="en-US" smtClean="0">
+                <a:solidFill>
+                  <a:srgbClr val="FFFFFF"/>
+                </a:solidFill>
+                <a:sym typeface="Wingdings"/>
+              </a:rPr>
+              <a:t> wording change</a:t>
+            </a:r>
+            <a:endParaRPr lang="en-US" dirty="0">
+              <a:solidFill>
+                <a:srgbClr val="FFFFFF"/>
+              </a:solidFill>
             </a:endParaRPr>
           </a:p>
         </p:txBody>

--- a/PPT_Presentation_v3.pptx
+++ b/PPT_Presentation_v3.pptx
@@ -6426,7 +6426,7 @@
         </p:nvSpPr>
         <p:spPr>
           <a:xfrm>
-            <a:off x="2428274" y="4055205"/>
+            <a:off x="2222455" y="4158583"/>
             <a:ext cx="4683210" cy="2483708"/>
           </a:xfrm>
           <a:prstGeom prst="rect">
@@ -6496,8 +6496,8 @@
         </p:nvSpPr>
         <p:spPr>
           <a:xfrm>
-            <a:off x="1836958" y="1222214"/>
-            <a:ext cx="5509744" cy="2766712"/>
+            <a:off x="1809188" y="1746312"/>
+            <a:ext cx="5509744" cy="3075713"/>
           </a:xfrm>
           <a:prstGeom prst="rect">
             <a:avLst/>
@@ -14780,8 +14780,8 @@
           </p:style>
         </p:cxnSp>
       </p:grpSp>
-      <mc:AlternateContent xmlns:mc="http://schemas.openxmlformats.org/markup-compatibility/2006">
-        <mc:Choice xmlns:a14="http://schemas.microsoft.com/office/drawing/2010/main" Requires="a14">
+      <mc:AlternateContent xmlns:mc="http://schemas.openxmlformats.org/markup-compatibility/2006" xmlns:a14="http://schemas.microsoft.com/office/drawing/2010/main">
+        <mc:Choice Requires="a14">
           <p:sp>
             <p:nvSpPr>
               <p:cNvPr id="10" name="TextBox 9"/>
@@ -15029,7 +15029,7 @@
             </p:txBody>
           </p:sp>
         </mc:Choice>
-        <mc:Fallback>
+        <mc:Fallback xmlns="">
           <p:sp>
             <p:nvSpPr>
               <p:cNvPr id="10" name="TextBox 9"/>
